--- a/slides/rpharma-wg-mmrm-oct2023.pptx
+++ b/slides/rpharma-wg-mmrm-oct2023.pptx
@@ -5710,7 +5710,7 @@
             <a:pPr lvl="1"/>
             <a:r>
               <a:rPr/>
-              <a:t>Cross-industry collaboration (38 members from 28 organizations)</a:t>
+              <a:t>Cross-industry collaboration (39 members from 29 organizations)</a:t>
             </a:r>
           </a:p>
           <a:p>

--- a/slides/rpharma-wg-mmrm-oct2023.pptx
+++ b/slides/rpharma-wg-mmrm-oct2023.pptx
@@ -5710,7 +5710,7 @@
             <a:pPr lvl="1"/>
             <a:r>
               <a:rPr/>
-              <a:t>Cross-industry collaboration (39 members from 29 organizations)</a:t>
+              <a:t>Cross-industry collaboration (41 members from 30 organizations)</a:t>
             </a:r>
           </a:p>
           <a:p>

--- a/slides/rpharma-wg-mmrm-oct2023.pptx
+++ b/slides/rpharma-wg-mmrm-oct2023.pptx
@@ -5710,7 +5710,7 @@
             <a:pPr lvl="1"/>
             <a:r>
               <a:rPr/>
-              <a:t>Cross-industry collaboration (41 members from 30 organizations)</a:t>
+              <a:t>Cross-industry collaboration (40 members from 30 organizations)</a:t>
             </a:r>
           </a:p>
           <a:p>

--- a/slides/rpharma-wg-mmrm-oct2023.pptx
+++ b/slides/rpharma-wg-mmrm-oct2023.pptx
@@ -5710,7 +5710,7 @@
             <a:pPr lvl="1"/>
             <a:r>
               <a:rPr/>
-              <a:t>Cross-industry collaboration (40 members from 30 organizations)</a:t>
+              <a:t>Cross-industry collaboration (42 members from 30 organizations)</a:t>
             </a:r>
           </a:p>
           <a:p>

--- a/slides/rpharma-wg-mmrm-oct2023.pptx
+++ b/slides/rpharma-wg-mmrm-oct2023.pptx
@@ -5710,7 +5710,7 @@
             <a:pPr lvl="1"/>
             <a:r>
               <a:rPr/>
-              <a:t>Cross-industry collaboration (42 members from 30 organizations)</a:t>
+              <a:t>Cross-industry collaboration (43 members from 30 organizations)</a:t>
             </a:r>
           </a:p>
           <a:p>

--- a/slides/rpharma-wg-mmrm-oct2023.pptx
+++ b/slides/rpharma-wg-mmrm-oct2023.pptx
@@ -5710,7 +5710,7 @@
             <a:pPr lvl="1"/>
             <a:r>
               <a:rPr/>
-              <a:t>Cross-industry collaboration (43 members from 30 organizations)</a:t>
+              <a:t>Cross-industry collaboration (45 members from 32 organizations)</a:t>
             </a:r>
           </a:p>
           <a:p>

--- a/slides/rpharma-wg-mmrm-oct2023.pptx
+++ b/slides/rpharma-wg-mmrm-oct2023.pptx
@@ -5710,7 +5710,7 @@
             <a:pPr lvl="1"/>
             <a:r>
               <a:rPr/>
-              <a:t>Cross-industry collaboration (45 members from 32 organizations)</a:t>
+              <a:t>Cross-industry collaboration (46 members from 32 organizations)</a:t>
             </a:r>
           </a:p>
           <a:p>

--- a/slides/rpharma-wg-mmrm-oct2023.pptx
+++ b/slides/rpharma-wg-mmrm-oct2023.pptx
@@ -5710,7 +5710,7 @@
             <a:pPr lvl="1"/>
             <a:r>
               <a:rPr/>
-              <a:t>Cross-industry collaboration (46 members from 32 organizations)</a:t>
+              <a:t>Cross-industry collaboration (49 members from 33 organizations)</a:t>
             </a:r>
           </a:p>
           <a:p>

--- a/slides/rpharma-wg-mmrm-oct2023.pptx
+++ b/slides/rpharma-wg-mmrm-oct2023.pptx
@@ -5710,7 +5710,7 @@
             <a:pPr lvl="1"/>
             <a:r>
               <a:rPr/>
-              <a:t>Cross-industry collaboration (49 members from 33 organizations)</a:t>
+              <a:t>Cross-industry collaboration (50 members from 33 organizations)</a:t>
             </a:r>
           </a:p>
           <a:p>

--- a/slides/rpharma-wg-mmrm-oct2023.pptx
+++ b/slides/rpharma-wg-mmrm-oct2023.pptx
@@ -5710,7 +5710,7 @@
             <a:pPr lvl="1"/>
             <a:r>
               <a:rPr/>
-              <a:t>Cross-industry collaboration (50 members from 33 organizations)</a:t>
+              <a:t>Cross-industry collaboration (51 members from 33 organizations)</a:t>
             </a:r>
           </a:p>
           <a:p>

--- a/slides/rpharma-wg-mmrm-oct2023.pptx
+++ b/slides/rpharma-wg-mmrm-oct2023.pptx
@@ -5710,7 +5710,7 @@
             <a:pPr lvl="1"/>
             <a:r>
               <a:rPr/>
-              <a:t>Cross-industry collaboration (51 members from 33 organizations)</a:t>
+              <a:t>Cross-industry collaboration (52 members from 34 organizations)</a:t>
             </a:r>
           </a:p>
           <a:p>

--- a/slides/rpharma-wg-mmrm-oct2023.pptx
+++ b/slides/rpharma-wg-mmrm-oct2023.pptx
@@ -5710,7 +5710,7 @@
             <a:pPr lvl="1"/>
             <a:r>
               <a:rPr/>
-              <a:t>Cross-industry collaboration (52 members from 34 organizations)</a:t>
+              <a:t>Cross-industry collaboration (53 members from 35 organizations)</a:t>
             </a:r>
           </a:p>
           <a:p>

--- a/slides/rpharma-wg-mmrm-oct2023.pptx
+++ b/slides/rpharma-wg-mmrm-oct2023.pptx
@@ -5710,7 +5710,7 @@
             <a:pPr lvl="1"/>
             <a:r>
               <a:rPr/>
-              <a:t>Cross-industry collaboration (53 members from 35 organizations)</a:t>
+              <a:t>Cross-industry collaboration (55 members from 36 organizations)</a:t>
             </a:r>
           </a:p>
           <a:p>

--- a/slides/rpharma-wg-mmrm-oct2023.pptx
+++ b/slides/rpharma-wg-mmrm-oct2023.pptx
@@ -5710,7 +5710,7 @@
             <a:pPr lvl="1"/>
             <a:r>
               <a:rPr/>
-              <a:t>Cross-industry collaboration (55 members from 36 organizations)</a:t>
+              <a:t>Cross-industry collaboration (55 members from 35 organizations)</a:t>
             </a:r>
           </a:p>
           <a:p>

--- a/slides/rpharma-wg-mmrm-oct2023.pptx
+++ b/slides/rpharma-wg-mmrm-oct2023.pptx
@@ -5710,7 +5710,7 @@
             <a:pPr lvl="1"/>
             <a:r>
               <a:rPr/>
-              <a:t>Cross-industry collaboration (55 members from 35 organizations)</a:t>
+              <a:t>Cross-industry collaboration (56 members from 35 organizations)</a:t>
             </a:r>
           </a:p>
           <a:p>

--- a/slides/rpharma-wg-mmrm-oct2023.pptx
+++ b/slides/rpharma-wg-mmrm-oct2023.pptx
@@ -5710,7 +5710,7 @@
             <a:pPr lvl="1"/>
             <a:r>
               <a:rPr/>
-              <a:t>Cross-industry collaboration (56 members from 35 organizations)</a:t>
+              <a:t>Cross-industry collaboration (58 members from 37 organizations)</a:t>
             </a:r>
           </a:p>
           <a:p>

--- a/slides/rpharma-wg-mmrm-oct2023.pptx
+++ b/slides/rpharma-wg-mmrm-oct2023.pptx
@@ -5710,7 +5710,7 @@
             <a:pPr lvl="1"/>
             <a:r>
               <a:rPr/>
-              <a:t>Cross-industry collaboration (58 members from 37 organizations)</a:t>
+              <a:t>Cross-industry collaboration (60 members from 38 organizations)</a:t>
             </a:r>
           </a:p>
           <a:p>

--- a/slides/rpharma-wg-mmrm-oct2023.pptx
+++ b/slides/rpharma-wg-mmrm-oct2023.pptx
@@ -5710,7 +5710,7 @@
             <a:pPr lvl="1"/>
             <a:r>
               <a:rPr/>
-              <a:t>Cross-industry collaboration (60 members from 38 organizations)</a:t>
+              <a:t>Cross-industry collaboration (59 members from 38 organizations)</a:t>
             </a:r>
           </a:p>
           <a:p>

--- a/slides/rpharma-wg-mmrm-oct2023.pptx
+++ b/slides/rpharma-wg-mmrm-oct2023.pptx
@@ -5710,7 +5710,7 @@
             <a:pPr lvl="1"/>
             <a:r>
               <a:rPr/>
-              <a:t>Cross-industry collaboration (59 members from 38 organizations)</a:t>
+              <a:t>Cross-industry collaboration (63 members from 41 organizations)</a:t>
             </a:r>
           </a:p>
           <a:p>

--- a/slides/rpharma-wg-mmrm-oct2023.pptx
+++ b/slides/rpharma-wg-mmrm-oct2023.pptx
@@ -5710,7 +5710,7 @@
             <a:pPr lvl="1"/>
             <a:r>
               <a:rPr/>
-              <a:t>Cross-industry collaboration (63 members from 41 organizations)</a:t>
+              <a:t>Cross-industry collaboration (64 members from 41 organizations)</a:t>
             </a:r>
           </a:p>
           <a:p>
